--- a/EGR101-Engineering-Exploration/WaterUnitProjectTemplate.pptx
+++ b/EGR101-Engineering-Exploration/WaterUnitProjectTemplate.pptx
@@ -208,7 +208,7 @@
           <a:p>
             <a:fld id="{2E9BA131-BA7E-4E3E-866E-AF5BA33ACCCE}" type="datetimeFigureOut">
               <a:rPr lang="en-US" smtClean="0"/>
-              <a:t>10/10/2019</a:t>
+              <a:t>10/11/2019</a:t>
             </a:fld>
             <a:endParaRPr lang="en-US"/>
           </a:p>
@@ -738,7 +738,7 @@
           <a:p>
             <a:fld id="{FEEF286B-6A09-4A92-86F2-17B47598D99F}" type="datetimeFigureOut">
               <a:rPr lang="en-US" smtClean="0"/>
-              <a:t>10/10/2019</a:t>
+              <a:t>10/11/2019</a:t>
             </a:fld>
             <a:endParaRPr lang="en-US"/>
           </a:p>
@@ -906,7 +906,7 @@
           <a:p>
             <a:fld id="{FEEF286B-6A09-4A92-86F2-17B47598D99F}" type="datetimeFigureOut">
               <a:rPr lang="en-US" smtClean="0"/>
-              <a:t>10/10/2019</a:t>
+              <a:t>10/11/2019</a:t>
             </a:fld>
             <a:endParaRPr lang="en-US"/>
           </a:p>
@@ -1084,7 +1084,7 @@
           <a:p>
             <a:fld id="{FEEF286B-6A09-4A92-86F2-17B47598D99F}" type="datetimeFigureOut">
               <a:rPr lang="en-US" smtClean="0"/>
-              <a:t>10/10/2019</a:t>
+              <a:t>10/11/2019</a:t>
             </a:fld>
             <a:endParaRPr lang="en-US"/>
           </a:p>
@@ -1252,7 +1252,7 @@
           <a:p>
             <a:fld id="{FEEF286B-6A09-4A92-86F2-17B47598D99F}" type="datetimeFigureOut">
               <a:rPr lang="en-US" smtClean="0"/>
-              <a:t>10/10/2019</a:t>
+              <a:t>10/11/2019</a:t>
             </a:fld>
             <a:endParaRPr lang="en-US"/>
           </a:p>
@@ -1497,7 +1497,7 @@
           <a:p>
             <a:fld id="{FEEF286B-6A09-4A92-86F2-17B47598D99F}" type="datetimeFigureOut">
               <a:rPr lang="en-US" smtClean="0"/>
-              <a:t>10/10/2019</a:t>
+              <a:t>10/11/2019</a:t>
             </a:fld>
             <a:endParaRPr lang="en-US"/>
           </a:p>
@@ -1782,7 +1782,7 @@
           <a:p>
             <a:fld id="{FEEF286B-6A09-4A92-86F2-17B47598D99F}" type="datetimeFigureOut">
               <a:rPr lang="en-US" smtClean="0"/>
-              <a:t>10/10/2019</a:t>
+              <a:t>10/11/2019</a:t>
             </a:fld>
             <a:endParaRPr lang="en-US"/>
           </a:p>
@@ -2206,7 +2206,7 @@
           <a:p>
             <a:fld id="{FEEF286B-6A09-4A92-86F2-17B47598D99F}" type="datetimeFigureOut">
               <a:rPr lang="en-US" smtClean="0"/>
-              <a:t>10/10/2019</a:t>
+              <a:t>10/11/2019</a:t>
             </a:fld>
             <a:endParaRPr lang="en-US"/>
           </a:p>
@@ -2323,7 +2323,7 @@
           <a:p>
             <a:fld id="{FEEF286B-6A09-4A92-86F2-17B47598D99F}" type="datetimeFigureOut">
               <a:rPr lang="en-US" smtClean="0"/>
-              <a:t>10/10/2019</a:t>
+              <a:t>10/11/2019</a:t>
             </a:fld>
             <a:endParaRPr lang="en-US"/>
           </a:p>
@@ -2867,7 +2867,7 @@
           <a:p>
             <a:fld id="{FEEF286B-6A09-4A92-86F2-17B47598D99F}" type="datetimeFigureOut">
               <a:rPr lang="en-US" smtClean="0"/>
-              <a:t>10/10/2019</a:t>
+              <a:t>10/11/2019</a:t>
             </a:fld>
             <a:endParaRPr lang="en-US"/>
           </a:p>
@@ -3119,7 +3119,7 @@
           <a:p>
             <a:fld id="{FEEF286B-6A09-4A92-86F2-17B47598D99F}" type="datetimeFigureOut">
               <a:rPr lang="en-US" smtClean="0"/>
-              <a:t>10/10/2019</a:t>
+              <a:t>10/11/2019</a:t>
             </a:fld>
             <a:endParaRPr lang="en-US"/>
           </a:p>
@@ -3330,7 +3330,7 @@
           <a:p>
             <a:fld id="{FEEF286B-6A09-4A92-86F2-17B47598D99F}" type="datetimeFigureOut">
               <a:rPr lang="en-US" smtClean="0"/>
-              <a:t>10/10/2019</a:t>
+              <a:t>10/11/2019</a:t>
             </a:fld>
             <a:endParaRPr lang="en-US"/>
           </a:p>
@@ -4776,7 +4776,7 @@
         <p:spPr bwMode="auto">
           <a:xfrm>
             <a:off x="13423115" y="6226373"/>
-            <a:ext cx="11695176" cy="3231654"/>
+            <a:ext cx="11695176" cy="6001643"/>
           </a:xfrm>
           <a:prstGeom prst="rect">
             <a:avLst/>
@@ -4923,7 +4923,28 @@
               <a:rPr lang="en-US" sz="3000" dirty="0">
                 <a:latin typeface="Arial Narrow" pitchFamily="34" charset="0"/>
               </a:rPr>
-              <a:t>In homework 4, you performed a series of calculations to find the size of the water tower tank based on specific inputs for your development area.  Use this section to describe the methodology used to size the water tower tank.  Discuss the sizing of the tank and any relevant information about the size and design of it.</a:t>
+              <a:t>To find the necessary volume of a water tower we needed to consider several factors that will help us provide water to the development area. These factors were the population of the area, the daily demand for water per capita, emergency water needs (fire water flow for 5 hours daily and a surplus of water incase the water plant cannot provide), and the amount needed at peak daily demand.</a:t>
+            </a:r>
+          </a:p>
+          <a:p>
+            <a:pPr algn="just"/>
+            <a:endParaRPr lang="en-US" sz="3000" dirty="0">
+              <a:latin typeface="Arial Narrow" pitchFamily="34" charset="0"/>
+            </a:endParaRPr>
+          </a:p>
+          <a:p>
+            <a:pPr algn="just"/>
+            <a:endParaRPr lang="en-US" sz="3000" dirty="0">
+              <a:latin typeface="Arial Narrow" pitchFamily="34" charset="0"/>
+            </a:endParaRPr>
+          </a:p>
+          <a:p>
+            <a:pPr algn="just"/>
+            <a:r>
+              <a:rPr lang="en-US" sz="3000" dirty="0">
+                <a:latin typeface="Arial Narrow" pitchFamily="34" charset="0"/>
+              </a:rPr>
+              <a:t>By adding these factors together we were able to arrive at a total volume necessary of 327.6 m^3 in order to properly provide water for our service area.</a:t>
             </a:r>
           </a:p>
         </p:txBody>
@@ -5840,7 +5861,7 @@
         </p:blipFill>
         <p:spPr>
           <a:xfrm>
-            <a:off x="6275082" y="12440008"/>
+            <a:off x="4174299" y="12981516"/>
             <a:ext cx="5102225" cy="6802967"/>
           </a:xfrm>
           <a:prstGeom prst="rect">
@@ -6432,21 +6453,6 @@
 </file>
 
 <file path=customXml/item1.xml><?xml version="1.0" encoding="utf-8"?>
-<p:properties xmlns:p="http://schemas.microsoft.com/office/2006/metadata/properties" xmlns:xsi="http://www.w3.org/2001/XMLSchema-instance" xmlns:pc="http://schemas.microsoft.com/office/infopath/2007/PartnerControls">
-  <documentManagement/>
-</p:properties>
-</file>
-
-<file path=customXml/item2.xml><?xml version="1.0" encoding="utf-8"?>
-<?mso-contentType ?>
-<FormTemplates xmlns="http://schemas.microsoft.com/sharepoint/v3/contenttype/forms">
-  <Display>DocumentLibraryForm</Display>
-  <Edit>DocumentLibraryForm</Edit>
-  <New>DocumentLibraryForm</New>
-</FormTemplates>
-</file>
-
-<file path=customXml/item3.xml><?xml version="1.0" encoding="utf-8"?>
 <ct:contentTypeSchema xmlns:ct="http://schemas.microsoft.com/office/2006/metadata/contentType" xmlns:ma="http://schemas.microsoft.com/office/2006/metadata/properties/metaAttributes" ct:_="" ma:_="" ma:contentTypeName="Document" ma:contentTypeID="0x010100E36C77EE2E9294428067ED635129F156" ma:contentTypeVersion="13" ma:contentTypeDescription="Create a new document." ma:contentTypeScope="" ma:versionID="6266babeb1a589b4354c6c02ce3e344f">
   <xsd:schema xmlns:xsd="http://www.w3.org/2001/XMLSchema" xmlns:xs="http://www.w3.org/2001/XMLSchema" xmlns:p="http://schemas.microsoft.com/office/2006/metadata/properties" xmlns:ns2="c9c1b4d2-6ed4-4f92-b28a-8531cf2d3888" xmlns:ns3="438a04f6-f991-4bac-949d-dec0d6368aa5" targetNamespace="http://schemas.microsoft.com/office/2006/metadata/properties" ma:root="true" ma:fieldsID="eb78c8059ab1cbcf8b6e84aebd2a4d43" ns2:_="" ns3:_="">
     <xsd:import namespace="c9c1b4d2-6ed4-4f92-b28a-8531cf2d3888"/>
@@ -6671,24 +6677,22 @@
 </ct:contentTypeSchema>
 </file>
 
-<file path=customXml/itemProps1.xml><?xml version="1.0" encoding="utf-8"?>
-<ds:datastoreItem xmlns:ds="http://schemas.openxmlformats.org/officeDocument/2006/customXml" ds:itemID="{BB73C2EA-8C50-4962-81D4-A9A97C842B45}">
-  <ds:schemaRefs>
-    <ds:schemaRef ds:uri="http://schemas.microsoft.com/office/2006/metadata/properties"/>
-    <ds:schemaRef ds:uri="http://schemas.microsoft.com/office/infopath/2007/PartnerControls"/>
-  </ds:schemaRefs>
-</ds:datastoreItem>
+<file path=customXml/item2.xml><?xml version="1.0" encoding="utf-8"?>
+<?mso-contentType ?>
+<FormTemplates xmlns="http://schemas.microsoft.com/sharepoint/v3/contenttype/forms">
+  <Display>DocumentLibraryForm</Display>
+  <Edit>DocumentLibraryForm</Edit>
+  <New>DocumentLibraryForm</New>
+</FormTemplates>
 </file>
 
-<file path=customXml/itemProps2.xml><?xml version="1.0" encoding="utf-8"?>
-<ds:datastoreItem xmlns:ds="http://schemas.openxmlformats.org/officeDocument/2006/customXml" ds:itemID="{817EC67B-45F2-4C35-8D42-3A067350CEF4}">
-  <ds:schemaRefs>
-    <ds:schemaRef ds:uri="http://schemas.microsoft.com/sharepoint/v3/contenttype/forms"/>
-  </ds:schemaRefs>
-</ds:datastoreItem>
+<file path=customXml/item3.xml><?xml version="1.0" encoding="utf-8"?>
+<p:properties xmlns:p="http://schemas.microsoft.com/office/2006/metadata/properties" xmlns:xsi="http://www.w3.org/2001/XMLSchema-instance" xmlns:pc="http://schemas.microsoft.com/office/infopath/2007/PartnerControls">
+  <documentManagement/>
+</p:properties>
 </file>
 
-<file path=customXml/itemProps3.xml><?xml version="1.0" encoding="utf-8"?>
+<file path=customXml/itemProps1.xml><?xml version="1.0" encoding="utf-8"?>
 <ds:datastoreItem xmlns:ds="http://schemas.openxmlformats.org/officeDocument/2006/customXml" ds:itemID="{9BC5109C-A70E-4E88-974F-51B15B34C655}">
   <ds:schemaRefs>
     <ds:schemaRef ds:uri="http://schemas.microsoft.com/office/2006/metadata/contentType"/>
@@ -6705,4 +6709,21 @@
     <ds:schemaRef ds:uri="http://schemas.microsoft.com/internal/obd"/>
   </ds:schemaRefs>
 </ds:datastoreItem>
+</file>
+
+<file path=customXml/itemProps2.xml><?xml version="1.0" encoding="utf-8"?>
+<ds:datastoreItem xmlns:ds="http://schemas.openxmlformats.org/officeDocument/2006/customXml" ds:itemID="{817EC67B-45F2-4C35-8D42-3A067350CEF4}">
+  <ds:schemaRefs>
+    <ds:schemaRef ds:uri="http://schemas.microsoft.com/sharepoint/v3/contenttype/forms"/>
+  </ds:schemaRefs>
+</ds:datastoreItem>
+</file>
+
+<file path=customXml/itemProps3.xml><?xml version="1.0" encoding="utf-8"?>
+<ds:datastoreItem xmlns:ds="http://schemas.openxmlformats.org/officeDocument/2006/customXml" ds:itemID="{BB73C2EA-8C50-4962-81D4-A9A97C842B45}">
+  <ds:schemaRefs>
+    <ds:schemaRef ds:uri="http://schemas.microsoft.com/office/2006/metadata/properties"/>
+    <ds:schemaRef ds:uri="http://schemas.microsoft.com/office/infopath/2007/PartnerControls"/>
+  </ds:schemaRefs>
+</ds:datastoreItem>
 </file>
--- a/EGR101-Engineering-Exploration/WaterUnitProjectTemplate.pptx
+++ b/EGR101-Engineering-Exploration/WaterUnitProjectTemplate.pptx
@@ -208,7 +208,7 @@
           <a:p>
             <a:fld id="{2E9BA131-BA7E-4E3E-866E-AF5BA33ACCCE}" type="datetimeFigureOut">
               <a:rPr lang="en-US" smtClean="0"/>
-              <a:t>10/11/2019</a:t>
+              <a:t>10/12/2019</a:t>
             </a:fld>
             <a:endParaRPr lang="en-US"/>
           </a:p>
@@ -738,7 +738,7 @@
           <a:p>
             <a:fld id="{FEEF286B-6A09-4A92-86F2-17B47598D99F}" type="datetimeFigureOut">
               <a:rPr lang="en-US" smtClean="0"/>
-              <a:t>10/11/2019</a:t>
+              <a:t>10/12/2019</a:t>
             </a:fld>
             <a:endParaRPr lang="en-US"/>
           </a:p>
@@ -906,7 +906,7 @@
           <a:p>
             <a:fld id="{FEEF286B-6A09-4A92-86F2-17B47598D99F}" type="datetimeFigureOut">
               <a:rPr lang="en-US" smtClean="0"/>
-              <a:t>10/11/2019</a:t>
+              <a:t>10/12/2019</a:t>
             </a:fld>
             <a:endParaRPr lang="en-US"/>
           </a:p>
@@ -1084,7 +1084,7 @@
           <a:p>
             <a:fld id="{FEEF286B-6A09-4A92-86F2-17B47598D99F}" type="datetimeFigureOut">
               <a:rPr lang="en-US" smtClean="0"/>
-              <a:t>10/11/2019</a:t>
+              <a:t>10/12/2019</a:t>
             </a:fld>
             <a:endParaRPr lang="en-US"/>
           </a:p>
@@ -1252,7 +1252,7 @@
           <a:p>
             <a:fld id="{FEEF286B-6A09-4A92-86F2-17B47598D99F}" type="datetimeFigureOut">
               <a:rPr lang="en-US" smtClean="0"/>
-              <a:t>10/11/2019</a:t>
+              <a:t>10/12/2019</a:t>
             </a:fld>
             <a:endParaRPr lang="en-US"/>
           </a:p>
@@ -1497,7 +1497,7 @@
           <a:p>
             <a:fld id="{FEEF286B-6A09-4A92-86F2-17B47598D99F}" type="datetimeFigureOut">
               <a:rPr lang="en-US" smtClean="0"/>
-              <a:t>10/11/2019</a:t>
+              <a:t>10/12/2019</a:t>
             </a:fld>
             <a:endParaRPr lang="en-US"/>
           </a:p>
@@ -1782,7 +1782,7 @@
           <a:p>
             <a:fld id="{FEEF286B-6A09-4A92-86F2-17B47598D99F}" type="datetimeFigureOut">
               <a:rPr lang="en-US" smtClean="0"/>
-              <a:t>10/11/2019</a:t>
+              <a:t>10/12/2019</a:t>
             </a:fld>
             <a:endParaRPr lang="en-US"/>
           </a:p>
@@ -2206,7 +2206,7 @@
           <a:p>
             <a:fld id="{FEEF286B-6A09-4A92-86F2-17B47598D99F}" type="datetimeFigureOut">
               <a:rPr lang="en-US" smtClean="0"/>
-              <a:t>10/11/2019</a:t>
+              <a:t>10/12/2019</a:t>
             </a:fld>
             <a:endParaRPr lang="en-US"/>
           </a:p>
@@ -2323,7 +2323,7 @@
           <a:p>
             <a:fld id="{FEEF286B-6A09-4A92-86F2-17B47598D99F}" type="datetimeFigureOut">
               <a:rPr lang="en-US" smtClean="0"/>
-              <a:t>10/11/2019</a:t>
+              <a:t>10/12/2019</a:t>
             </a:fld>
             <a:endParaRPr lang="en-US"/>
           </a:p>
@@ -2867,7 +2867,7 @@
           <a:p>
             <a:fld id="{FEEF286B-6A09-4A92-86F2-17B47598D99F}" type="datetimeFigureOut">
               <a:rPr lang="en-US" smtClean="0"/>
-              <a:t>10/11/2019</a:t>
+              <a:t>10/12/2019</a:t>
             </a:fld>
             <a:endParaRPr lang="en-US"/>
           </a:p>
@@ -3119,7 +3119,7 @@
           <a:p>
             <a:fld id="{FEEF286B-6A09-4A92-86F2-17B47598D99F}" type="datetimeFigureOut">
               <a:rPr lang="en-US" smtClean="0"/>
-              <a:t>10/11/2019</a:t>
+              <a:t>10/12/2019</a:t>
             </a:fld>
             <a:endParaRPr lang="en-US"/>
           </a:p>
@@ -3330,7 +3330,7 @@
           <a:p>
             <a:fld id="{FEEF286B-6A09-4A92-86F2-17B47598D99F}" type="datetimeFigureOut">
               <a:rPr lang="en-US" smtClean="0"/>
-              <a:t>10/11/2019</a:t>
+              <a:t>10/12/2019</a:t>
             </a:fld>
             <a:endParaRPr lang="en-US"/>
           </a:p>
@@ -4607,7 +4607,7 @@
         <p:spPr bwMode="auto">
           <a:xfrm>
             <a:off x="877824" y="22376011"/>
-            <a:ext cx="11695176" cy="2308324"/>
+            <a:ext cx="11695176" cy="6463308"/>
           </a:xfrm>
           <a:prstGeom prst="rect">
             <a:avLst/>
@@ -4754,7 +4754,37 @@
               <a:rPr lang="en-US" sz="3000" dirty="0">
                 <a:latin typeface="Arial Narrow" pitchFamily="34" charset="0"/>
               </a:rPr>
-              <a:t>Use this space to discuss the parts of the engineering design process that went into developing the design for a water tower.  Use images if you want.</a:t>
+              <a:t>In order to design the water tower we had to come together as a team and create as many viable ideas as we could for developing our tower.</a:t>
+            </a:r>
+          </a:p>
+          <a:p>
+            <a:pPr algn="just"/>
+            <a:endParaRPr lang="en-US" sz="3000" dirty="0">
+              <a:latin typeface="Arial Narrow" pitchFamily="34" charset="0"/>
+            </a:endParaRPr>
+          </a:p>
+          <a:p>
+            <a:pPr algn="just"/>
+            <a:r>
+              <a:rPr lang="en-US" sz="3000" dirty="0">
+                <a:latin typeface="Arial Narrow" pitchFamily="34" charset="0"/>
+              </a:rPr>
+              <a:t>Once we had developed several strong and agreed upon ideas, we had to prototype and test these ideas as well as put research into what could be possible flaws within them.</a:t>
+            </a:r>
+          </a:p>
+          <a:p>
+            <a:pPr algn="just"/>
+            <a:endParaRPr lang="en-US" sz="3000" dirty="0">
+              <a:latin typeface="Arial Narrow" pitchFamily="34" charset="0"/>
+            </a:endParaRPr>
+          </a:p>
+          <a:p>
+            <a:pPr algn="just"/>
+            <a:r>
+              <a:rPr lang="en-US" sz="3000" dirty="0">
+                <a:latin typeface="Arial Narrow" pitchFamily="34" charset="0"/>
+              </a:rPr>
+              <a:t>After we concluded our research and felt we had arrived upon our best solution and design for our water tower then we were ready to move on and begin calculating the many factors discussed in this poster needed for the water tower to function optimally.</a:t>
             </a:r>
           </a:p>
           <a:p>
@@ -5612,7 +5642,7 @@
         <p:spPr bwMode="auto">
           <a:xfrm>
             <a:off x="38628259" y="25496838"/>
-            <a:ext cx="11695176" cy="1846659"/>
+            <a:ext cx="11695176" cy="1908215"/>
           </a:xfrm>
           <a:prstGeom prst="rect">
             <a:avLst/>
@@ -5755,11 +5785,18 @@
           </a:lstStyle>
           <a:p>
             <a:r>
-              <a:rPr lang="en-US" sz="3000" dirty="0">
-                <a:latin typeface="Arial Narrow" pitchFamily="34" charset="0"/>
+              <a:rPr lang="en-US" sz="3200" dirty="0">
+                <a:hlinkClick r:id="rId4"/>
               </a:rPr>
-              <a:t>Use this section to include links to any outside information you used to complete your work</a:t>
-            </a:r>
+              <a:t>https://www.pinterest.com/pin/372532200405811369/</a:t>
+            </a:r>
+            <a:r>
+              <a:rPr lang="en-US" sz="3200" dirty="0"/>
+              <a:t> (ortho drawing)</a:t>
+            </a:r>
+            <a:endParaRPr lang="en-US" sz="3000" dirty="0">
+              <a:latin typeface="Arial Narrow" pitchFamily="34" charset="0"/>
+            </a:endParaRPr>
           </a:p>
         </p:txBody>
       </p:sp>
@@ -5848,7 +5885,7 @@
           <p:nvPr/>
         </p:nvPicPr>
         <p:blipFill>
-          <a:blip r:embed="rId4" cstate="print">
+          <a:blip r:embed="rId5" cstate="print">
             <a:extLst>
               <a:ext uri="{28A0092B-C50C-407E-A947-70E740481C1C}">
                 <a14:useLocalDpi xmlns:a14="http://schemas.microsoft.com/office/drawing/2010/main" val="0"/>
@@ -5867,6 +5904,53 @@
           <a:prstGeom prst="rect">
             <a:avLst/>
           </a:prstGeom>
+        </p:spPr>
+      </p:pic>
+      <p:pic>
+        <p:nvPicPr>
+          <p:cNvPr id="4" name="Picture 2" descr="Image result for water tower orthographic drawing">
+            <a:extLst>
+              <a:ext uri="{FF2B5EF4-FFF2-40B4-BE49-F238E27FC236}">
+                <a16:creationId xmlns:a16="http://schemas.microsoft.com/office/drawing/2014/main" id="{707424EF-5013-41F0-9923-8F6BB99CB28F}"/>
+              </a:ext>
+            </a:extLst>
+          </p:cNvPr>
+          <p:cNvPicPr>
+            <a:picLocks noChangeAspect="1" noChangeArrowheads="1"/>
+          </p:cNvPicPr>
+          <p:nvPr/>
+        </p:nvPicPr>
+        <p:blipFill>
+          <a:blip r:embed="rId6">
+            <a:extLst>
+              <a:ext uri="{28A0092B-C50C-407E-A947-70E740481C1C}">
+                <a14:useLocalDpi xmlns:a14="http://schemas.microsoft.com/office/drawing/2010/main" val="0"/>
+              </a:ext>
+            </a:extLst>
+          </a:blip>
+          <a:srcRect/>
+          <a:stretch>
+            <a:fillRect/>
+          </a:stretch>
+        </p:blipFill>
+        <p:spPr bwMode="auto">
+          <a:xfrm>
+            <a:off x="26669999" y="20220447"/>
+            <a:ext cx="10390199" cy="8618872"/>
+          </a:xfrm>
+          <a:prstGeom prst="rect">
+            <a:avLst/>
+          </a:prstGeom>
+          <a:noFill/>
+          <a:extLst>
+            <a:ext uri="{909E8E84-426E-40DD-AFC4-6F175D3DCCD1}">
+              <a14:hiddenFill xmlns:a14="http://schemas.microsoft.com/office/drawing/2010/main">
+                <a:solidFill>
+                  <a:srgbClr val="FFFFFF"/>
+                </a:solidFill>
+              </a14:hiddenFill>
+            </a:ext>
+          </a:extLst>
         </p:spPr>
       </p:pic>
     </p:spTree>
@@ -6453,6 +6537,21 @@
 </file>
 
 <file path=customXml/item1.xml><?xml version="1.0" encoding="utf-8"?>
+<p:properties xmlns:p="http://schemas.microsoft.com/office/2006/metadata/properties" xmlns:xsi="http://www.w3.org/2001/XMLSchema-instance" xmlns:pc="http://schemas.microsoft.com/office/infopath/2007/PartnerControls">
+  <documentManagement/>
+</p:properties>
+</file>
+
+<file path=customXml/item2.xml><?xml version="1.0" encoding="utf-8"?>
+<?mso-contentType ?>
+<FormTemplates xmlns="http://schemas.microsoft.com/sharepoint/v3/contenttype/forms">
+  <Display>DocumentLibraryForm</Display>
+  <Edit>DocumentLibraryForm</Edit>
+  <New>DocumentLibraryForm</New>
+</FormTemplates>
+</file>
+
+<file path=customXml/item3.xml><?xml version="1.0" encoding="utf-8"?>
 <ct:contentTypeSchema xmlns:ct="http://schemas.microsoft.com/office/2006/metadata/contentType" xmlns:ma="http://schemas.microsoft.com/office/2006/metadata/properties/metaAttributes" ct:_="" ma:_="" ma:contentTypeName="Document" ma:contentTypeID="0x010100E36C77EE2E9294428067ED635129F156" ma:contentTypeVersion="13" ma:contentTypeDescription="Create a new document." ma:contentTypeScope="" ma:versionID="6266babeb1a589b4354c6c02ce3e344f">
   <xsd:schema xmlns:xsd="http://www.w3.org/2001/XMLSchema" xmlns:xs="http://www.w3.org/2001/XMLSchema" xmlns:p="http://schemas.microsoft.com/office/2006/metadata/properties" xmlns:ns2="c9c1b4d2-6ed4-4f92-b28a-8531cf2d3888" xmlns:ns3="438a04f6-f991-4bac-949d-dec0d6368aa5" targetNamespace="http://schemas.microsoft.com/office/2006/metadata/properties" ma:root="true" ma:fieldsID="eb78c8059ab1cbcf8b6e84aebd2a4d43" ns2:_="" ns3:_="">
     <xsd:import namespace="c9c1b4d2-6ed4-4f92-b28a-8531cf2d3888"/>
@@ -6677,22 +6776,24 @@
 </ct:contentTypeSchema>
 </file>
 
-<file path=customXml/item2.xml><?xml version="1.0" encoding="utf-8"?>
-<?mso-contentType ?>
-<FormTemplates xmlns="http://schemas.microsoft.com/sharepoint/v3/contenttype/forms">
-  <Display>DocumentLibraryForm</Display>
-  <Edit>DocumentLibraryForm</Edit>
-  <New>DocumentLibraryForm</New>
-</FormTemplates>
+<file path=customXml/itemProps1.xml><?xml version="1.0" encoding="utf-8"?>
+<ds:datastoreItem xmlns:ds="http://schemas.openxmlformats.org/officeDocument/2006/customXml" ds:itemID="{BB73C2EA-8C50-4962-81D4-A9A97C842B45}">
+  <ds:schemaRefs>
+    <ds:schemaRef ds:uri="http://schemas.microsoft.com/office/2006/metadata/properties"/>
+    <ds:schemaRef ds:uri="http://schemas.microsoft.com/office/infopath/2007/PartnerControls"/>
+  </ds:schemaRefs>
+</ds:datastoreItem>
 </file>
 
-<file path=customXml/item3.xml><?xml version="1.0" encoding="utf-8"?>
-<p:properties xmlns:p="http://schemas.microsoft.com/office/2006/metadata/properties" xmlns:xsi="http://www.w3.org/2001/XMLSchema-instance" xmlns:pc="http://schemas.microsoft.com/office/infopath/2007/PartnerControls">
-  <documentManagement/>
-</p:properties>
+<file path=customXml/itemProps2.xml><?xml version="1.0" encoding="utf-8"?>
+<ds:datastoreItem xmlns:ds="http://schemas.openxmlformats.org/officeDocument/2006/customXml" ds:itemID="{817EC67B-45F2-4C35-8D42-3A067350CEF4}">
+  <ds:schemaRefs>
+    <ds:schemaRef ds:uri="http://schemas.microsoft.com/sharepoint/v3/contenttype/forms"/>
+  </ds:schemaRefs>
+</ds:datastoreItem>
 </file>
 
-<file path=customXml/itemProps1.xml><?xml version="1.0" encoding="utf-8"?>
+<file path=customXml/itemProps3.xml><?xml version="1.0" encoding="utf-8"?>
 <ds:datastoreItem xmlns:ds="http://schemas.openxmlformats.org/officeDocument/2006/customXml" ds:itemID="{9BC5109C-A70E-4E88-974F-51B15B34C655}">
   <ds:schemaRefs>
     <ds:schemaRef ds:uri="http://schemas.microsoft.com/office/2006/metadata/contentType"/>
@@ -6709,21 +6810,4 @@
     <ds:schemaRef ds:uri="http://schemas.microsoft.com/internal/obd"/>
   </ds:schemaRefs>
 </ds:datastoreItem>
-</file>
-
-<file path=customXml/itemProps2.xml><?xml version="1.0" encoding="utf-8"?>
-<ds:datastoreItem xmlns:ds="http://schemas.openxmlformats.org/officeDocument/2006/customXml" ds:itemID="{817EC67B-45F2-4C35-8D42-3A067350CEF4}">
-  <ds:schemaRefs>
-    <ds:schemaRef ds:uri="http://schemas.microsoft.com/sharepoint/v3/contenttype/forms"/>
-  </ds:schemaRefs>
-</ds:datastoreItem>
-</file>
-
-<file path=customXml/itemProps3.xml><?xml version="1.0" encoding="utf-8"?>
-<ds:datastoreItem xmlns:ds="http://schemas.openxmlformats.org/officeDocument/2006/customXml" ds:itemID="{BB73C2EA-8C50-4962-81D4-A9A97C842B45}">
-  <ds:schemaRefs>
-    <ds:schemaRef ds:uri="http://schemas.microsoft.com/office/2006/metadata/properties"/>
-    <ds:schemaRef ds:uri="http://schemas.microsoft.com/office/infopath/2007/PartnerControls"/>
-  </ds:schemaRefs>
-</ds:datastoreItem>
 </file>
--- a/EGR101-Engineering-Exploration/WaterUnitProjectTemplate.pptx
+++ b/EGR101-Engineering-Exploration/WaterUnitProjectTemplate.pptx
@@ -208,7 +208,7 @@
           <a:p>
             <a:fld id="{2E9BA131-BA7E-4E3E-866E-AF5BA33ACCCE}" type="datetimeFigureOut">
               <a:rPr lang="en-US" smtClean="0"/>
-              <a:t>10/12/2019</a:t>
+              <a:t>10/16/2019</a:t>
             </a:fld>
             <a:endParaRPr lang="en-US"/>
           </a:p>
@@ -738,7 +738,7 @@
           <a:p>
             <a:fld id="{FEEF286B-6A09-4A92-86F2-17B47598D99F}" type="datetimeFigureOut">
               <a:rPr lang="en-US" smtClean="0"/>
-              <a:t>10/12/2019</a:t>
+              <a:t>10/16/2019</a:t>
             </a:fld>
             <a:endParaRPr lang="en-US"/>
           </a:p>
@@ -906,7 +906,7 @@
           <a:p>
             <a:fld id="{FEEF286B-6A09-4A92-86F2-17B47598D99F}" type="datetimeFigureOut">
               <a:rPr lang="en-US" smtClean="0"/>
-              <a:t>10/12/2019</a:t>
+              <a:t>10/16/2019</a:t>
             </a:fld>
             <a:endParaRPr lang="en-US"/>
           </a:p>
@@ -1084,7 +1084,7 @@
           <a:p>
             <a:fld id="{FEEF286B-6A09-4A92-86F2-17B47598D99F}" type="datetimeFigureOut">
               <a:rPr lang="en-US" smtClean="0"/>
-              <a:t>10/12/2019</a:t>
+              <a:t>10/16/2019</a:t>
             </a:fld>
             <a:endParaRPr lang="en-US"/>
           </a:p>
@@ -1252,7 +1252,7 @@
           <a:p>
             <a:fld id="{FEEF286B-6A09-4A92-86F2-17B47598D99F}" type="datetimeFigureOut">
               <a:rPr lang="en-US" smtClean="0"/>
-              <a:t>10/12/2019</a:t>
+              <a:t>10/16/2019</a:t>
             </a:fld>
             <a:endParaRPr lang="en-US"/>
           </a:p>
@@ -1497,7 +1497,7 @@
           <a:p>
             <a:fld id="{FEEF286B-6A09-4A92-86F2-17B47598D99F}" type="datetimeFigureOut">
               <a:rPr lang="en-US" smtClean="0"/>
-              <a:t>10/12/2019</a:t>
+              <a:t>10/16/2019</a:t>
             </a:fld>
             <a:endParaRPr lang="en-US"/>
           </a:p>
@@ -1782,7 +1782,7 @@
           <a:p>
             <a:fld id="{FEEF286B-6A09-4A92-86F2-17B47598D99F}" type="datetimeFigureOut">
               <a:rPr lang="en-US" smtClean="0"/>
-              <a:t>10/12/2019</a:t>
+              <a:t>10/16/2019</a:t>
             </a:fld>
             <a:endParaRPr lang="en-US"/>
           </a:p>
@@ -2206,7 +2206,7 @@
           <a:p>
             <a:fld id="{FEEF286B-6A09-4A92-86F2-17B47598D99F}" type="datetimeFigureOut">
               <a:rPr lang="en-US" smtClean="0"/>
-              <a:t>10/12/2019</a:t>
+              <a:t>10/16/2019</a:t>
             </a:fld>
             <a:endParaRPr lang="en-US"/>
           </a:p>
@@ -2323,7 +2323,7 @@
           <a:p>
             <a:fld id="{FEEF286B-6A09-4A92-86F2-17B47598D99F}" type="datetimeFigureOut">
               <a:rPr lang="en-US" smtClean="0"/>
-              <a:t>10/12/2019</a:t>
+              <a:t>10/16/2019</a:t>
             </a:fld>
             <a:endParaRPr lang="en-US"/>
           </a:p>
@@ -2867,7 +2867,7 @@
           <a:p>
             <a:fld id="{FEEF286B-6A09-4A92-86F2-17B47598D99F}" type="datetimeFigureOut">
               <a:rPr lang="en-US" smtClean="0"/>
-              <a:t>10/12/2019</a:t>
+              <a:t>10/16/2019</a:t>
             </a:fld>
             <a:endParaRPr lang="en-US"/>
           </a:p>
@@ -3119,7 +3119,7 @@
           <a:p>
             <a:fld id="{FEEF286B-6A09-4A92-86F2-17B47598D99F}" type="datetimeFigureOut">
               <a:rPr lang="en-US" smtClean="0"/>
-              <a:t>10/12/2019</a:t>
+              <a:t>10/16/2019</a:t>
             </a:fld>
             <a:endParaRPr lang="en-US"/>
           </a:p>
@@ -3330,7 +3330,7 @@
           <a:p>
             <a:fld id="{FEEF286B-6A09-4A92-86F2-17B47598D99F}" type="datetimeFigureOut">
               <a:rPr lang="en-US" smtClean="0"/>
-              <a:t>10/12/2019</a:t>
+              <a:t>10/16/2019</a:t>
             </a:fld>
             <a:endParaRPr lang="en-US"/>
           </a:p>
@@ -3844,7 +3844,7 @@
         <p:spPr bwMode="auto">
           <a:xfrm>
             <a:off x="7958139" y="621006"/>
-            <a:ext cx="34180461" cy="2769775"/>
+            <a:ext cx="34180461" cy="2974959"/>
           </a:xfrm>
           <a:prstGeom prst="rect">
             <a:avLst/>
@@ -3898,7 +3898,7 @@
               <a:rPr lang="en-US" sz="6600" dirty="0">
                 <a:latin typeface="Arial Black" pitchFamily="34" charset="0"/>
               </a:rPr>
-              <a:t>Title of Water Unit Project Here</a:t>
+              <a:t>Water Tower Design Project</a:t>
             </a:r>
             <a:br>
               <a:rPr lang="en-US" sz="4000" dirty="0">
@@ -3909,29 +3909,31 @@
               <a:rPr lang="en-US" sz="4000" dirty="0">
                 <a:latin typeface="Arial Black" pitchFamily="34" charset="0"/>
               </a:rPr>
-              <a:t>Author Name Here</a:t>
+              <a:t>Brennen Green</a:t>
             </a:r>
             <a:endParaRPr lang="en-US" sz="5400" b="1" baseline="30000" dirty="0">
               <a:latin typeface="Arial" charset="0"/>
             </a:endParaRPr>
           </a:p>
           <a:p>
-            <a:pPr algn="ctr">
-              <a:spcBef>
-                <a:spcPct val="50000"/>
-              </a:spcBef>
-            </a:pPr>
+            <a:pPr algn="ctr" eaLnBrk="0" hangingPunct="0"/>
             <a:endParaRPr lang="en-US" sz="4000" b="1" baseline="30000" dirty="0">
               <a:latin typeface="Arial" charset="0"/>
             </a:endParaRPr>
           </a:p>
           <a:p>
             <a:pPr algn="ctr" eaLnBrk="0" hangingPunct="0"/>
+            <a:endParaRPr lang="en-US" sz="4000" b="1" baseline="30000" dirty="0">
+              <a:latin typeface="Arial" charset="0"/>
+            </a:endParaRPr>
+          </a:p>
+          <a:p>
+            <a:pPr algn="ctr" eaLnBrk="0" hangingPunct="0"/>
             <a:r>
               <a:rPr lang="en-US" sz="4000" b="1" baseline="30000" dirty="0">
                 <a:latin typeface="Arial" charset="0"/>
               </a:rPr>
-              <a:t>Department Association/Major here</a:t>
+              <a:t>First Year Engineering</a:t>
             </a:r>
             <a:r>
               <a:rPr lang="en-US" sz="2800" b="1" dirty="0">
@@ -4990,7 +4992,7 @@
         <p:spPr bwMode="auto">
           <a:xfrm>
             <a:off x="13507212" y="16992600"/>
-            <a:ext cx="11695176" cy="2308324"/>
+            <a:ext cx="11695176" cy="6001643"/>
           </a:xfrm>
           <a:prstGeom prst="rect">
             <a:avLst/>
@@ -5137,7 +5139,37 @@
               <a:rPr lang="en-US" sz="3000" dirty="0">
                 <a:latin typeface="Arial Narrow" pitchFamily="34" charset="0"/>
               </a:rPr>
-              <a:t>In homework 5, you performed calculations in a truss system that would hold an elevated water tank.  Provide a discussion about the calculations you performed and identify reasons why doing these calculations was necessary.</a:t>
+              <a:t>Given the nature of construction, anything we construct in the naturally occurring world will undergo many constant and varying forces that, if not considered, will be disastrous for our tower.</a:t>
+            </a:r>
+          </a:p>
+          <a:p>
+            <a:pPr algn="just"/>
+            <a:endParaRPr lang="en-US" sz="3000" dirty="0">
+              <a:latin typeface="Arial Narrow" pitchFamily="34" charset="0"/>
+            </a:endParaRPr>
+          </a:p>
+          <a:p>
+            <a:pPr algn="just"/>
+            <a:r>
+              <a:rPr lang="en-US" sz="3000" dirty="0">
+                <a:latin typeface="Arial Narrow" pitchFamily="34" charset="0"/>
+              </a:rPr>
+              <a:t>These forces are often called static forces. They’re the most constant forces acting on our tower, and therefor cause the most degradation over time of our tower.</a:t>
+            </a:r>
+          </a:p>
+          <a:p>
+            <a:pPr algn="just"/>
+            <a:endParaRPr lang="en-US" sz="3000" dirty="0">
+              <a:latin typeface="Arial Narrow" pitchFamily="34" charset="0"/>
+            </a:endParaRPr>
+          </a:p>
+          <a:p>
+            <a:pPr algn="just"/>
+            <a:r>
+              <a:rPr lang="en-US" sz="3000" dirty="0">
+                <a:latin typeface="Arial Narrow" pitchFamily="34" charset="0"/>
+              </a:rPr>
+              <a:t>In order to build a tower with the capability to withstand these elements of nature, we have to do calculations on our tower to ensure we reach and nice equilibrium of the forces acting upon it.</a:t>
             </a:r>
           </a:p>
         </p:txBody>
@@ -5153,7 +5185,7 @@
         <p:spPr bwMode="auto">
           <a:xfrm>
             <a:off x="26070995" y="6205535"/>
-            <a:ext cx="11695176" cy="3231654"/>
+            <a:ext cx="11695176" cy="6555641"/>
           </a:xfrm>
           <a:prstGeom prst="rect">
             <a:avLst/>
@@ -5300,8 +5332,54 @@
               <a:rPr lang="en-US" sz="3000" dirty="0">
                 <a:latin typeface="Arial Narrow" pitchFamily="34" charset="0"/>
               </a:rPr>
-              <a:t>In homework 7, you were asked to develop a spreadsheet that indicates the change in the pressure of water in the pipe vs. the change in height of the water in the tank.  Provide a discussion about how this was calculated, why this knowledge is important, relate it to conservation of energy, and provide a copy of the table you created.</a:t>
-            </a:r>
+              <a:t>Water Towers work to provide water with a specific amount of pressure to the pipes which our routed to various different outputs in the development area. This pressure is important, too little and it’ll drip out drop by drop, too much and it can be come dangerous. </a:t>
+            </a:r>
+          </a:p>
+          <a:p>
+            <a:pPr algn="just"/>
+            <a:endParaRPr lang="en-US" sz="3000" dirty="0">
+              <a:latin typeface="Arial Narrow" pitchFamily="34" charset="0"/>
+            </a:endParaRPr>
+          </a:p>
+          <a:p>
+            <a:pPr algn="just"/>
+            <a:r>
+              <a:rPr lang="en-US" sz="3000" dirty="0">
+                <a:latin typeface="Arial Narrow" pitchFamily="34" charset="0"/>
+              </a:rPr>
+              <a:t>In order to find the perfect amount of water pressure we need to calculate the height over our water above the ground using the formula</a:t>
+            </a:r>
+          </a:p>
+          <a:p>
+            <a:pPr algn="ctr"/>
+            <a:r>
+              <a:rPr lang="en-US" sz="4400" b="1" i="1" dirty="0"/>
+              <a:t>P</a:t>
+            </a:r>
+            <a:r>
+              <a:rPr lang="en-US" sz="4400" b="1" dirty="0"/>
+              <a:t> = </a:t>
+            </a:r>
+            <a:r>
+              <a:rPr lang="el-GR" sz="4400" b="1" i="1" dirty="0"/>
+              <a:t>ρ</a:t>
+            </a:r>
+            <a:r>
+              <a:rPr lang="en-US" sz="4400" b="1" i="1" dirty="0" err="1"/>
+              <a:t>gh</a:t>
+            </a:r>
+            <a:endParaRPr lang="en-US" sz="4400" b="1" i="1" dirty="0">
+              <a:latin typeface="Arial Narrow" pitchFamily="34" charset="0"/>
+            </a:endParaRPr>
+          </a:p>
+          <a:p>
+            <a:r>
+              <a:rPr lang="en-US" sz="2800" dirty="0">
+                <a:latin typeface="Arial Narrow" pitchFamily="34" charset="0"/>
+              </a:rPr>
+              <a:t>For water towers, the general range of 50-80 psi provides a favorable amount of water pressure to the customer. Using an excel spreadsheet we calculated the water pressure at various different heights to find our optimum water pressure of 79 psi</a:t>
+            </a:r>
+            <a:endParaRPr lang="en-US" sz="2800" dirty="0"/>
           </a:p>
         </p:txBody>
       </p:sp>
@@ -5316,7 +5394,7 @@
         <p:spPr bwMode="auto">
           <a:xfrm>
             <a:off x="38633400" y="6205536"/>
-            <a:ext cx="11695176" cy="1846659"/>
+            <a:ext cx="11695176" cy="7848302"/>
           </a:xfrm>
           <a:prstGeom prst="rect">
             <a:avLst/>
@@ -5463,7 +5541,37 @@
               <a:rPr lang="en-US" sz="3000" dirty="0">
                 <a:latin typeface="Arial Narrow" pitchFamily="34" charset="0"/>
               </a:rPr>
-              <a:t>In this section identify further considerations that might need to be included in your design</a:t>
+              <a:t>Given the nature of any item which helps support the infrastructure of society. There’s things that must change with time that needs to be taken into consideration for future revisions.</a:t>
+            </a:r>
+          </a:p>
+          <a:p>
+            <a:pPr algn="just"/>
+            <a:endParaRPr lang="en-US" sz="3000" dirty="0">
+              <a:latin typeface="Arial Narrow" pitchFamily="34" charset="0"/>
+            </a:endParaRPr>
+          </a:p>
+          <a:p>
+            <a:pPr algn="just"/>
+            <a:r>
+              <a:rPr lang="en-US" sz="3000" dirty="0">
+                <a:latin typeface="Arial Narrow" pitchFamily="34" charset="0"/>
+              </a:rPr>
+              <a:t>While we have developed a system of which will support out current population and development area. It’s important to recognize this area may change over time. Knowing society is constantly growing in many ways, the population, development, and many other factors of our development area may change. Creating flexibility in our design is important for these reasons.</a:t>
+            </a:r>
+          </a:p>
+          <a:p>
+            <a:pPr algn="just"/>
+            <a:endParaRPr lang="en-US" sz="3000" dirty="0">
+              <a:latin typeface="Arial Narrow" pitchFamily="34" charset="0"/>
+            </a:endParaRPr>
+          </a:p>
+          <a:p>
+            <a:pPr algn="just"/>
+            <a:r>
+              <a:rPr lang="en-US" sz="3000" dirty="0">
+                <a:latin typeface="Arial Narrow" pitchFamily="34" charset="0"/>
+              </a:rPr>
+              <a:t>As-well, while our design is great for the bare minimum. There’s many environmental and physical aspects we failed to consider and should consider for future revisions of out water tower. The biggest environmental factor could be things such as hurricanes, tornadoes, fires, etc. How can we design our tower to withstand these natural phenomena.</a:t>
             </a:r>
           </a:p>
         </p:txBody>
@@ -5479,7 +5587,7 @@
         <p:spPr bwMode="auto">
           <a:xfrm>
             <a:off x="38591816" y="18319646"/>
-            <a:ext cx="11695176" cy="1846659"/>
+            <a:ext cx="11695176" cy="4616648"/>
           </a:xfrm>
           <a:prstGeom prst="rect">
             <a:avLst/>
@@ -5626,7 +5734,22 @@
               <a:rPr lang="en-US" sz="3000" dirty="0">
                 <a:latin typeface="Arial Narrow" pitchFamily="34" charset="0"/>
               </a:rPr>
-              <a:t>Use this section to identify what other considerations should be included to develop this project.</a:t>
+              <a:t>There’s no point in designing a tower that will fail once built due to lack of material consideration. One of the most important factors to developing our tower will be the choice of materials used.</a:t>
+            </a:r>
+          </a:p>
+          <a:p>
+            <a:pPr algn="just"/>
+            <a:endParaRPr lang="en-US" sz="3000" dirty="0">
+              <a:latin typeface="Arial Narrow" pitchFamily="34" charset="0"/>
+            </a:endParaRPr>
+          </a:p>
+          <a:p>
+            <a:pPr algn="just"/>
+            <a:r>
+              <a:rPr lang="en-US" sz="3000" dirty="0">
+                <a:latin typeface="Arial Narrow" pitchFamily="34" charset="0"/>
+              </a:rPr>
+              <a:t>The material used in development must be rust resistant, strong but not brittle, and able to handle wind force on a constant basis. Using things that degrade with ease such as copper, raw iron, wood, or many other things is a bad idea.</a:t>
             </a:r>
           </a:p>
         </p:txBody>
@@ -5951,6 +6074,184 @@
               </a14:hiddenFill>
             </a:ext>
           </a:extLst>
+        </p:spPr>
+      </p:pic>
+      <p:pic>
+        <p:nvPicPr>
+          <p:cNvPr id="8" name="Picture 7">
+            <a:extLst>
+              <a:ext uri="{FF2B5EF4-FFF2-40B4-BE49-F238E27FC236}">
+                <a16:creationId xmlns:a16="http://schemas.microsoft.com/office/drawing/2014/main" id="{2923BA75-F64F-45AF-9230-8215803CA6B2}"/>
+              </a:ext>
+            </a:extLst>
+          </p:cNvPr>
+          <p:cNvPicPr>
+            <a:picLocks noChangeAspect="1"/>
+          </p:cNvPicPr>
+          <p:nvPr/>
+        </p:nvPicPr>
+        <p:blipFill>
+          <a:blip r:embed="rId7"/>
+          <a:stretch>
+            <a:fillRect/>
+          </a:stretch>
+        </p:blipFill>
+        <p:spPr>
+          <a:xfrm>
+            <a:off x="14038153" y="23078482"/>
+            <a:ext cx="5550163" cy="7156797"/>
+          </a:xfrm>
+          <a:prstGeom prst="rect">
+            <a:avLst/>
+          </a:prstGeom>
+        </p:spPr>
+      </p:pic>
+      <p:sp>
+        <p:nvSpPr>
+          <p:cNvPr id="10" name="TextBox 9">
+            <a:extLst>
+              <a:ext uri="{FF2B5EF4-FFF2-40B4-BE49-F238E27FC236}">
+                <a16:creationId xmlns:a16="http://schemas.microsoft.com/office/drawing/2014/main" id="{87110020-0D7F-4EEE-B1B1-9CB1CBC1EBA6}"/>
+              </a:ext>
+            </a:extLst>
+          </p:cNvPr>
+          <p:cNvSpPr txBox="1"/>
+          <p:nvPr/>
+        </p:nvSpPr>
+        <p:spPr>
+          <a:xfrm>
+            <a:off x="19964400" y="23469600"/>
+            <a:ext cx="4572002" cy="10002738"/>
+          </a:xfrm>
+          <a:prstGeom prst="rect">
+            <a:avLst/>
+          </a:prstGeom>
+          <a:noFill/>
+        </p:spPr>
+        <p:txBody>
+          <a:bodyPr wrap="square" rtlCol="0">
+            <a:spAutoFit/>
+          </a:bodyPr>
+          <a:lstStyle/>
+          <a:p>
+            <a:r>
+              <a:rPr lang="en-US" sz="2800" dirty="0"/>
+              <a:t>We calculated the magnitudes such that:</a:t>
+            </a:r>
+          </a:p>
+          <a:p>
+            <a:endParaRPr lang="en-US" sz="2800" dirty="0"/>
+          </a:p>
+          <a:p>
+            <a:r>
+              <a:rPr lang="en-US" sz="4000" dirty="0"/>
+              <a:t>Ax  = 150N</a:t>
+            </a:r>
+          </a:p>
+          <a:p>
+            <a:r>
+              <a:rPr lang="en-US" sz="4000" dirty="0"/>
+              <a:t>Ay  =  7340N</a:t>
+            </a:r>
+          </a:p>
+          <a:p>
+            <a:r>
+              <a:rPr lang="en-US" sz="4000" dirty="0"/>
+              <a:t>Dy  = 7340N</a:t>
+            </a:r>
+          </a:p>
+          <a:p>
+            <a:r>
+              <a:rPr lang="en-US" sz="4000" dirty="0"/>
+              <a:t>Fab = 7340N</a:t>
+            </a:r>
+          </a:p>
+          <a:p>
+            <a:r>
+              <a:rPr lang="en-US" sz="4000" dirty="0"/>
+              <a:t>Fad = 0N</a:t>
+            </a:r>
+          </a:p>
+          <a:p>
+            <a:r>
+              <a:rPr lang="en-US" sz="4000" dirty="0" err="1"/>
+              <a:t>Fdc</a:t>
+            </a:r>
+            <a:r>
+              <a:rPr lang="en-US" sz="4000" dirty="0"/>
+              <a:t> = 0N</a:t>
+            </a:r>
+          </a:p>
+          <a:p>
+            <a:r>
+              <a:rPr lang="en-US" sz="4000" dirty="0" err="1"/>
+              <a:t>Fcd</a:t>
+            </a:r>
+            <a:r>
+              <a:rPr lang="en-US" sz="4000" dirty="0"/>
+              <a:t> =7340N</a:t>
+            </a:r>
+          </a:p>
+          <a:p>
+            <a:endParaRPr lang="en-US" sz="2800" dirty="0"/>
+          </a:p>
+          <a:p>
+            <a:endParaRPr lang="en-US" sz="2800" dirty="0"/>
+          </a:p>
+          <a:p>
+            <a:endParaRPr lang="en-US" sz="2800" dirty="0"/>
+          </a:p>
+          <a:p>
+            <a:endParaRPr lang="en-US" sz="2800" dirty="0"/>
+          </a:p>
+          <a:p>
+            <a:endParaRPr lang="en-US" sz="2800" dirty="0"/>
+          </a:p>
+          <a:p>
+            <a:endParaRPr lang="en-US" sz="2800" dirty="0"/>
+          </a:p>
+          <a:p>
+            <a:endParaRPr lang="en-US" sz="2800" dirty="0"/>
+          </a:p>
+          <a:p>
+            <a:endParaRPr lang="en-US" sz="2800" dirty="0"/>
+          </a:p>
+          <a:p>
+            <a:endParaRPr lang="en-US" sz="2800" dirty="0"/>
+          </a:p>
+          <a:p>
+            <a:endParaRPr lang="en-US" sz="2800" dirty="0"/>
+          </a:p>
+        </p:txBody>
+      </p:sp>
+      <p:pic>
+        <p:nvPicPr>
+          <p:cNvPr id="11" name="Picture 10">
+            <a:extLst>
+              <a:ext uri="{FF2B5EF4-FFF2-40B4-BE49-F238E27FC236}">
+                <a16:creationId xmlns:a16="http://schemas.microsoft.com/office/drawing/2014/main" id="{C38D5E1C-A7F4-4FAF-992C-2613A05AB46D}"/>
+              </a:ext>
+            </a:extLst>
+          </p:cNvPr>
+          <p:cNvPicPr>
+            <a:picLocks noChangeAspect="1"/>
+          </p:cNvPicPr>
+          <p:nvPr/>
+        </p:nvPicPr>
+        <p:blipFill>
+          <a:blip r:embed="rId8"/>
+          <a:stretch>
+            <a:fillRect/>
+          </a:stretch>
+        </p:blipFill>
+        <p:spPr>
+          <a:xfrm>
+            <a:off x="26451095" y="12749776"/>
+            <a:ext cx="10944483" cy="4868865"/>
+          </a:xfrm>
+          <a:prstGeom prst="rect">
+            <a:avLst/>
+          </a:prstGeom>
         </p:spPr>
       </p:pic>
     </p:spTree>
@@ -6537,21 +6838,6 @@
 </file>
 
 <file path=customXml/item1.xml><?xml version="1.0" encoding="utf-8"?>
-<p:properties xmlns:p="http://schemas.microsoft.com/office/2006/metadata/properties" xmlns:xsi="http://www.w3.org/2001/XMLSchema-instance" xmlns:pc="http://schemas.microsoft.com/office/infopath/2007/PartnerControls">
-  <documentManagement/>
-</p:properties>
-</file>
-
-<file path=customXml/item2.xml><?xml version="1.0" encoding="utf-8"?>
-<?mso-contentType ?>
-<FormTemplates xmlns="http://schemas.microsoft.com/sharepoint/v3/contenttype/forms">
-  <Display>DocumentLibraryForm</Display>
-  <Edit>DocumentLibraryForm</Edit>
-  <New>DocumentLibraryForm</New>
-</FormTemplates>
-</file>
-
-<file path=customXml/item3.xml><?xml version="1.0" encoding="utf-8"?>
 <ct:contentTypeSchema xmlns:ct="http://schemas.microsoft.com/office/2006/metadata/contentType" xmlns:ma="http://schemas.microsoft.com/office/2006/metadata/properties/metaAttributes" ct:_="" ma:_="" ma:contentTypeName="Document" ma:contentTypeID="0x010100E36C77EE2E9294428067ED635129F156" ma:contentTypeVersion="13" ma:contentTypeDescription="Create a new document." ma:contentTypeScope="" ma:versionID="6266babeb1a589b4354c6c02ce3e344f">
   <xsd:schema xmlns:xsd="http://www.w3.org/2001/XMLSchema" xmlns:xs="http://www.w3.org/2001/XMLSchema" xmlns:p="http://schemas.microsoft.com/office/2006/metadata/properties" xmlns:ns2="c9c1b4d2-6ed4-4f92-b28a-8531cf2d3888" xmlns:ns3="438a04f6-f991-4bac-949d-dec0d6368aa5" targetNamespace="http://schemas.microsoft.com/office/2006/metadata/properties" ma:root="true" ma:fieldsID="eb78c8059ab1cbcf8b6e84aebd2a4d43" ns2:_="" ns3:_="">
     <xsd:import namespace="c9c1b4d2-6ed4-4f92-b28a-8531cf2d3888"/>
@@ -6776,24 +7062,22 @@
 </ct:contentTypeSchema>
 </file>
 
-<file path=customXml/itemProps1.xml><?xml version="1.0" encoding="utf-8"?>
-<ds:datastoreItem xmlns:ds="http://schemas.openxmlformats.org/officeDocument/2006/customXml" ds:itemID="{BB73C2EA-8C50-4962-81D4-A9A97C842B45}">
-  <ds:schemaRefs>
-    <ds:schemaRef ds:uri="http://schemas.microsoft.com/office/2006/metadata/properties"/>
-    <ds:schemaRef ds:uri="http://schemas.microsoft.com/office/infopath/2007/PartnerControls"/>
-  </ds:schemaRefs>
-</ds:datastoreItem>
+<file path=customXml/item2.xml><?xml version="1.0" encoding="utf-8"?>
+<?mso-contentType ?>
+<FormTemplates xmlns="http://schemas.microsoft.com/sharepoint/v3/contenttype/forms">
+  <Display>DocumentLibraryForm</Display>
+  <Edit>DocumentLibraryForm</Edit>
+  <New>DocumentLibraryForm</New>
+</FormTemplates>
 </file>
 
-<file path=customXml/itemProps2.xml><?xml version="1.0" encoding="utf-8"?>
-<ds:datastoreItem xmlns:ds="http://schemas.openxmlformats.org/officeDocument/2006/customXml" ds:itemID="{817EC67B-45F2-4C35-8D42-3A067350CEF4}">
-  <ds:schemaRefs>
-    <ds:schemaRef ds:uri="http://schemas.microsoft.com/sharepoint/v3/contenttype/forms"/>
-  </ds:schemaRefs>
-</ds:datastoreItem>
+<file path=customXml/item3.xml><?xml version="1.0" encoding="utf-8"?>
+<p:properties xmlns:p="http://schemas.microsoft.com/office/2006/metadata/properties" xmlns:xsi="http://www.w3.org/2001/XMLSchema-instance" xmlns:pc="http://schemas.microsoft.com/office/infopath/2007/PartnerControls">
+  <documentManagement/>
+</p:properties>
 </file>
 
-<file path=customXml/itemProps3.xml><?xml version="1.0" encoding="utf-8"?>
+<file path=customXml/itemProps1.xml><?xml version="1.0" encoding="utf-8"?>
 <ds:datastoreItem xmlns:ds="http://schemas.openxmlformats.org/officeDocument/2006/customXml" ds:itemID="{9BC5109C-A70E-4E88-974F-51B15B34C655}">
   <ds:schemaRefs>
     <ds:schemaRef ds:uri="http://schemas.microsoft.com/office/2006/metadata/contentType"/>
@@ -6810,4 +7094,21 @@
     <ds:schemaRef ds:uri="http://schemas.microsoft.com/internal/obd"/>
   </ds:schemaRefs>
 </ds:datastoreItem>
+</file>
+
+<file path=customXml/itemProps2.xml><?xml version="1.0" encoding="utf-8"?>
+<ds:datastoreItem xmlns:ds="http://schemas.openxmlformats.org/officeDocument/2006/customXml" ds:itemID="{817EC67B-45F2-4C35-8D42-3A067350CEF4}">
+  <ds:schemaRefs>
+    <ds:schemaRef ds:uri="http://schemas.microsoft.com/sharepoint/v3/contenttype/forms"/>
+  </ds:schemaRefs>
+</ds:datastoreItem>
+</file>
+
+<file path=customXml/itemProps3.xml><?xml version="1.0" encoding="utf-8"?>
+<ds:datastoreItem xmlns:ds="http://schemas.openxmlformats.org/officeDocument/2006/customXml" ds:itemID="{BB73C2EA-8C50-4962-81D4-A9A97C842B45}">
+  <ds:schemaRefs>
+    <ds:schemaRef ds:uri="http://schemas.microsoft.com/office/2006/metadata/properties"/>
+    <ds:schemaRef ds:uri="http://schemas.microsoft.com/office/infopath/2007/PartnerControls"/>
+  </ds:schemaRefs>
+</ds:datastoreItem>
 </file>